--- a/Documentation/HobbyProject.pptx
+++ b/Documentation/HobbyProject.pptx
@@ -12,14 +12,17 @@
     <p:sldId id="260" r:id="rId6"/>
     <p:sldId id="261" r:id="rId7"/>
     <p:sldId id="262" r:id="rId8"/>
-    <p:sldId id="263" r:id="rId9"/>
-    <p:sldId id="264" r:id="rId10"/>
-    <p:sldId id="265" r:id="rId11"/>
-    <p:sldId id="266" r:id="rId12"/>
-    <p:sldId id="267" r:id="rId13"/>
-    <p:sldId id="268" r:id="rId14"/>
-    <p:sldId id="269" r:id="rId15"/>
-    <p:sldId id="270" r:id="rId16"/>
+    <p:sldId id="272" r:id="rId9"/>
+    <p:sldId id="273" r:id="rId10"/>
+    <p:sldId id="263" r:id="rId11"/>
+    <p:sldId id="264" r:id="rId12"/>
+    <p:sldId id="265" r:id="rId13"/>
+    <p:sldId id="271" r:id="rId14"/>
+    <p:sldId id="266" r:id="rId15"/>
+    <p:sldId id="267" r:id="rId16"/>
+    <p:sldId id="268" r:id="rId17"/>
+    <p:sldId id="269" r:id="rId18"/>
+    <p:sldId id="270" r:id="rId19"/>
   </p:sldIdLst>
   <p:sldSz cx="12192000" cy="6858000"/>
   <p:notesSz cx="6858000" cy="9144000"/>
@@ -130,9 +133,12 @@
             <p14:sldId id="260"/>
             <p14:sldId id="261"/>
             <p14:sldId id="262"/>
+            <p14:sldId id="272"/>
+            <p14:sldId id="273"/>
             <p14:sldId id="263"/>
             <p14:sldId id="264"/>
             <p14:sldId id="265"/>
+            <p14:sldId id="271"/>
             <p14:sldId id="266"/>
             <p14:sldId id="267"/>
             <p14:sldId id="268"/>
@@ -141,6 +147,9 @@
           </p14:sldIdLst>
         </p14:section>
       </p14:sectionLst>
+    </p:ext>
+    <p:ext uri="{EFAFB233-063F-42B5-8137-9DF3F51BA10A}">
+      <p15:sldGuideLst xmlns:p15="http://schemas.microsoft.com/office/powerpoint/2012/main"/>
     </p:ext>
   </p:extLst>
 </p:presentation>
@@ -372,7 +381,7 @@
           <a:p>
             <a:fld id="{17E051C0-52B0-4E3C-A780-E78E876D14C3}" type="datetimeFigureOut">
               <a:rPr lang="en-GB" smtClean="0"/>
-              <a:t>17/06/2021</a:t>
+              <a:t>18/06/2021</a:t>
             </a:fld>
             <a:endParaRPr lang="en-GB"/>
           </a:p>
@@ -580,7 +589,7 @@
           <a:p>
             <a:fld id="{17E051C0-52B0-4E3C-A780-E78E876D14C3}" type="datetimeFigureOut">
               <a:rPr lang="en-GB" smtClean="0"/>
-              <a:t>17/06/2021</a:t>
+              <a:t>18/06/2021</a:t>
             </a:fld>
             <a:endParaRPr lang="en-GB"/>
           </a:p>
@@ -836,7 +845,7 @@
           <a:p>
             <a:fld id="{17E051C0-52B0-4E3C-A780-E78E876D14C3}" type="datetimeFigureOut">
               <a:rPr lang="en-GB" smtClean="0"/>
-              <a:t>17/06/2021</a:t>
+              <a:t>18/06/2021</a:t>
             </a:fld>
             <a:endParaRPr lang="en-GB"/>
           </a:p>
@@ -1010,7 +1019,7 @@
           <a:p>
             <a:fld id="{17E051C0-52B0-4E3C-A780-E78E876D14C3}" type="datetimeFigureOut">
               <a:rPr lang="en-GB" smtClean="0"/>
-              <a:t>17/06/2021</a:t>
+              <a:t>18/06/2021</a:t>
             </a:fld>
             <a:endParaRPr lang="en-GB"/>
           </a:p>
@@ -1353,7 +1362,7 @@
           <a:p>
             <a:fld id="{17E051C0-52B0-4E3C-A780-E78E876D14C3}" type="datetimeFigureOut">
               <a:rPr lang="en-GB" smtClean="0"/>
-              <a:t>17/06/2021</a:t>
+              <a:t>18/06/2021</a:t>
             </a:fld>
             <a:endParaRPr lang="en-GB"/>
           </a:p>
@@ -1628,7 +1637,7 @@
           <a:p>
             <a:fld id="{17E051C0-52B0-4E3C-A780-E78E876D14C3}" type="datetimeFigureOut">
               <a:rPr lang="en-GB" smtClean="0"/>
-              <a:t>17/06/2021</a:t>
+              <a:t>18/06/2021</a:t>
             </a:fld>
             <a:endParaRPr lang="en-GB"/>
           </a:p>
@@ -2007,7 +2016,7 @@
           <a:p>
             <a:fld id="{17E051C0-52B0-4E3C-A780-E78E876D14C3}" type="datetimeFigureOut">
               <a:rPr lang="en-GB" smtClean="0"/>
-              <a:t>17/06/2021</a:t>
+              <a:t>18/06/2021</a:t>
             </a:fld>
             <a:endParaRPr lang="en-GB"/>
           </a:p>
@@ -2125,7 +2134,7 @@
           <a:p>
             <a:fld id="{17E051C0-52B0-4E3C-A780-E78E876D14C3}" type="datetimeFigureOut">
               <a:rPr lang="en-GB" smtClean="0"/>
-              <a:t>17/06/2021</a:t>
+              <a:t>18/06/2021</a:t>
             </a:fld>
             <a:endParaRPr lang="en-GB"/>
           </a:p>
@@ -2296,7 +2305,7 @@
           <a:p>
             <a:fld id="{17E051C0-52B0-4E3C-A780-E78E876D14C3}" type="datetimeFigureOut">
               <a:rPr lang="en-GB" smtClean="0"/>
-              <a:t>17/06/2021</a:t>
+              <a:t>18/06/2021</a:t>
             </a:fld>
             <a:endParaRPr lang="en-GB"/>
           </a:p>
@@ -2650,7 +2659,7 @@
           <a:p>
             <a:fld id="{17E051C0-52B0-4E3C-A780-E78E876D14C3}" type="datetimeFigureOut">
               <a:rPr lang="en-GB" smtClean="0"/>
-              <a:t>17/06/2021</a:t>
+              <a:t>18/06/2021</a:t>
             </a:fld>
             <a:endParaRPr lang="en-GB"/>
           </a:p>
@@ -3032,7 +3041,7 @@
           <a:p>
             <a:fld id="{17E051C0-52B0-4E3C-A780-E78E876D14C3}" type="datetimeFigureOut">
               <a:rPr lang="en-GB" smtClean="0"/>
-              <a:t>17/06/2021</a:t>
+              <a:t>18/06/2021</a:t>
             </a:fld>
             <a:endParaRPr lang="en-GB"/>
           </a:p>
@@ -3319,7 +3328,7 @@
           <a:p>
             <a:fld id="{17E051C0-52B0-4E3C-A780-E78E876D14C3}" type="datetimeFigureOut">
               <a:rPr lang="en-GB" smtClean="0"/>
-              <a:t>17/06/2021</a:t>
+              <a:t>18/06/2021</a:t>
             </a:fld>
             <a:endParaRPr lang="en-GB"/>
           </a:p>
@@ -3934,7 +3943,7 @@
           <p:cNvPr id="2" name="Title 1">
             <a:extLst>
               <a:ext uri="{FF2B5EF4-FFF2-40B4-BE49-F238E27FC236}">
-                <a16:creationId xmlns:a16="http://schemas.microsoft.com/office/drawing/2014/main" id="{18F36C11-CFDC-46D1-9F7E-8E0A2D07F094}"/>
+                <a16:creationId xmlns:a16="http://schemas.microsoft.com/office/drawing/2014/main" id="{1A25DCCB-3E99-4565-B61A-EB7E4DC7676B}"/>
               </a:ext>
             </a:extLst>
           </p:cNvPr>
@@ -3952,7 +3961,7 @@
           <a:p>
             <a:r>
               <a:rPr lang="en-GB" dirty="0"/>
-              <a:t>Jira</a:t>
+              <a:t>Demonstration</a:t>
             </a:r>
           </a:p>
         </p:txBody>
@@ -3962,7 +3971,7 @@
           <p:cNvPr id="3" name="Content Placeholder 2">
             <a:extLst>
               <a:ext uri="{FF2B5EF4-FFF2-40B4-BE49-F238E27FC236}">
-                <a16:creationId xmlns:a16="http://schemas.microsoft.com/office/drawing/2014/main" id="{8033B316-430A-4446-B509-56E319FBBE48}"/>
+                <a16:creationId xmlns:a16="http://schemas.microsoft.com/office/drawing/2014/main" id="{BBADD8C7-A8A9-4917-B0D2-354AAFF64186}"/>
               </a:ext>
             </a:extLst>
           </p:cNvPr>
@@ -3978,14 +3987,54 @@
           <a:bodyPr/>
           <a:lstStyle/>
           <a:p>
-            <a:endParaRPr lang="en-GB"/>
+            <a:pPr>
+              <a:buFont typeface="Arial" panose="020B0604020202020204" pitchFamily="34" charset="0"/>
+              <a:buChar char="•"/>
+            </a:pPr>
+            <a:r>
+              <a:rPr lang="en-GB" dirty="0"/>
+              <a:t>User story 1: User is able to ADD a Team in the system SO THAT the User can create a team of players.</a:t>
+            </a:r>
+          </a:p>
+          <a:p>
+            <a:pPr>
+              <a:buFont typeface="Arial" panose="020B0604020202020204" pitchFamily="34" charset="0"/>
+              <a:buChar char="•"/>
+            </a:pPr>
+            <a:r>
+              <a:rPr lang="en-GB" dirty="0"/>
+              <a:t>User story 2: User is able to ADD an Player in the system SO THAT the user can add players to there Team.</a:t>
+            </a:r>
+          </a:p>
+          <a:p>
+            <a:pPr>
+              <a:buFont typeface="Arial" panose="020B0604020202020204" pitchFamily="34" charset="0"/>
+              <a:buChar char="•"/>
+            </a:pPr>
+            <a:r>
+              <a:rPr lang="en-GB" dirty="0"/>
+              <a:t>User story 3:  User is able to Update a Team in the system SO THAT the User can change the name of the team.</a:t>
+            </a:r>
+          </a:p>
+          <a:p>
+            <a:pPr>
+              <a:buFont typeface="Arial" panose="020B0604020202020204" pitchFamily="34" charset="0"/>
+              <a:buChar char="•"/>
+            </a:pPr>
+            <a:r>
+              <a:rPr lang="en-GB" dirty="0"/>
+              <a:t>User story 4: User can Delete a Player in the system SO THAT they can remove players from there team.</a:t>
+            </a:r>
+          </a:p>
+          <a:p>
+            <a:endParaRPr lang="en-GB" dirty="0"/>
           </a:p>
         </p:txBody>
       </p:sp>
     </p:spTree>
     <p:extLst>
       <p:ext uri="{BB962C8B-B14F-4D97-AF65-F5344CB8AC3E}">
-        <p14:creationId xmlns:p14="http://schemas.microsoft.com/office/powerpoint/2010/main" val="2951430882"/>
+        <p14:creationId xmlns:p14="http://schemas.microsoft.com/office/powerpoint/2010/main" val="959536378"/>
       </p:ext>
     </p:extLst>
   </p:cSld>
@@ -4017,7 +4066,7 @@
           <p:cNvPr id="2" name="Title 1">
             <a:extLst>
               <a:ext uri="{FF2B5EF4-FFF2-40B4-BE49-F238E27FC236}">
-                <a16:creationId xmlns:a16="http://schemas.microsoft.com/office/drawing/2014/main" id="{6B991645-2708-4D13-97BD-51440186A5E4}"/>
+                <a16:creationId xmlns:a16="http://schemas.microsoft.com/office/drawing/2014/main" id="{469413B5-AEFF-415D-AD90-0093D44B0AEE}"/>
               </a:ext>
             </a:extLst>
           </p:cNvPr>
@@ -4035,40 +4084,156 @@
           <a:p>
             <a:r>
               <a:rPr lang="en-GB" dirty="0"/>
-              <a:t>Jira Roadmap</a:t>
-            </a:r>
-          </a:p>
-        </p:txBody>
-      </p:sp>
-      <p:sp>
-        <p:nvSpPr>
-          <p:cNvPr id="3" name="Content Placeholder 2">
+              <a:t>ERD – Entity Relationship Diagram</a:t>
+            </a:r>
+          </a:p>
+        </p:txBody>
+      </p:sp>
+      <p:pic>
+        <p:nvPicPr>
+          <p:cNvPr id="5" name="Content Placeholder 4">
             <a:extLst>
               <a:ext uri="{FF2B5EF4-FFF2-40B4-BE49-F238E27FC236}">
-                <a16:creationId xmlns:a16="http://schemas.microsoft.com/office/drawing/2014/main" id="{A0E42456-DAFC-47B2-9D0F-D53413E5D2A8}"/>
+                <a16:creationId xmlns:a16="http://schemas.microsoft.com/office/drawing/2014/main" id="{839E4180-31A4-444C-AF28-9052224962BB}"/>
               </a:ext>
             </a:extLst>
           </p:cNvPr>
-          <p:cNvSpPr>
-            <a:spLocks noGrp="1"/>
-          </p:cNvSpPr>
+          <p:cNvPicPr>
+            <a:picLocks noGrp="1" noChangeAspect="1"/>
+          </p:cNvPicPr>
           <p:nvPr>
             <p:ph idx="1"/>
           </p:nvPr>
-        </p:nvSpPr>
-        <p:spPr/>
-        <p:txBody>
-          <a:bodyPr/>
-          <a:lstStyle/>
-          <a:p>
-            <a:endParaRPr lang="en-GB"/>
+        </p:nvPicPr>
+        <p:blipFill>
+          <a:blip r:embed="rId2">
+            <a:extLst>
+              <a:ext uri="{28A0092B-C50C-407E-A947-70E740481C1C}">
+                <a14:useLocalDpi xmlns:a14="http://schemas.microsoft.com/office/drawing/2010/main" val="0"/>
+              </a:ext>
+            </a:extLst>
+          </a:blip>
+          <a:stretch>
+            <a:fillRect/>
+          </a:stretch>
+        </p:blipFill>
+        <p:spPr>
+          <a:xfrm>
+            <a:off x="805403" y="2495899"/>
+            <a:ext cx="4158206" cy="1144922"/>
+          </a:xfrm>
+        </p:spPr>
+      </p:pic>
+      <p:pic>
+        <p:nvPicPr>
+          <p:cNvPr id="6" name="Content Placeholder 4">
+            <a:extLst>
+              <a:ext uri="{FF2B5EF4-FFF2-40B4-BE49-F238E27FC236}">
+                <a16:creationId xmlns:a16="http://schemas.microsoft.com/office/drawing/2014/main" id="{A8BAD2BD-FF60-4FAC-AFC6-3F02701C3701}"/>
+              </a:ext>
+            </a:extLst>
+          </p:cNvPr>
+          <p:cNvPicPr>
+            <a:picLocks noChangeAspect="1"/>
+          </p:cNvPicPr>
+          <p:nvPr/>
+        </p:nvPicPr>
+        <p:blipFill>
+          <a:blip r:embed="rId2">
+            <a:extLst>
+              <a:ext uri="{28A0092B-C50C-407E-A947-70E740481C1C}">
+                <a14:useLocalDpi xmlns:a14="http://schemas.microsoft.com/office/drawing/2010/main" val="0"/>
+              </a:ext>
+            </a:extLst>
+          </a:blip>
+          <a:stretch>
+            <a:fillRect/>
+          </a:stretch>
+        </p:blipFill>
+        <p:spPr>
+          <a:xfrm>
+            <a:off x="6410647" y="2495899"/>
+            <a:ext cx="4158206" cy="1144922"/>
+          </a:xfrm>
+          <a:prstGeom prst="rect">
+            <a:avLst/>
+          </a:prstGeom>
+        </p:spPr>
+      </p:pic>
+      <p:sp>
+        <p:nvSpPr>
+          <p:cNvPr id="7" name="TextBox 6">
+            <a:extLst>
+              <a:ext uri="{FF2B5EF4-FFF2-40B4-BE49-F238E27FC236}">
+                <a16:creationId xmlns:a16="http://schemas.microsoft.com/office/drawing/2014/main" id="{8CD7E797-B379-40A8-906C-AF439CB1C28A}"/>
+              </a:ext>
+            </a:extLst>
+          </p:cNvPr>
+          <p:cNvSpPr txBox="1"/>
+          <p:nvPr/>
+        </p:nvSpPr>
+        <p:spPr>
+          <a:xfrm>
+            <a:off x="2206305" y="4613945"/>
+            <a:ext cx="803105" cy="369332"/>
+          </a:xfrm>
+          <a:prstGeom prst="rect">
+            <a:avLst/>
+          </a:prstGeom>
+          <a:noFill/>
+        </p:spPr>
+        <p:txBody>
+          <a:bodyPr wrap="none" rtlCol="0">
+            <a:spAutoFit/>
+          </a:bodyPr>
+          <a:lstStyle/>
+          <a:p>
+            <a:r>
+              <a:rPr lang="en-GB" dirty="0"/>
+              <a:t>Before</a:t>
+            </a:r>
+          </a:p>
+        </p:txBody>
+      </p:sp>
+      <p:sp>
+        <p:nvSpPr>
+          <p:cNvPr id="8" name="TextBox 7">
+            <a:extLst>
+              <a:ext uri="{FF2B5EF4-FFF2-40B4-BE49-F238E27FC236}">
+                <a16:creationId xmlns:a16="http://schemas.microsoft.com/office/drawing/2014/main" id="{AA211359-CBD5-4F46-8152-4E0F014F46EB}"/>
+              </a:ext>
+            </a:extLst>
+          </p:cNvPr>
+          <p:cNvSpPr txBox="1"/>
+          <p:nvPr/>
+        </p:nvSpPr>
+        <p:spPr>
+          <a:xfrm>
+            <a:off x="8415556" y="4514676"/>
+            <a:ext cx="658257" cy="369332"/>
+          </a:xfrm>
+          <a:prstGeom prst="rect">
+            <a:avLst/>
+          </a:prstGeom>
+          <a:noFill/>
+        </p:spPr>
+        <p:txBody>
+          <a:bodyPr wrap="none" rtlCol="0">
+            <a:spAutoFit/>
+          </a:bodyPr>
+          <a:lstStyle/>
+          <a:p>
+            <a:r>
+              <a:rPr lang="en-GB" dirty="0"/>
+              <a:t>After</a:t>
+            </a:r>
           </a:p>
         </p:txBody>
       </p:sp>
     </p:spTree>
     <p:extLst>
       <p:ext uri="{BB962C8B-B14F-4D97-AF65-F5344CB8AC3E}">
-        <p14:creationId xmlns:p14="http://schemas.microsoft.com/office/powerpoint/2010/main" val="2707968001"/>
+        <p14:creationId xmlns:p14="http://schemas.microsoft.com/office/powerpoint/2010/main" val="1079888049"/>
       </p:ext>
     </p:extLst>
   </p:cSld>
@@ -4100,7 +4265,7 @@
           <p:cNvPr id="2" name="Title 1">
             <a:extLst>
               <a:ext uri="{FF2B5EF4-FFF2-40B4-BE49-F238E27FC236}">
-                <a16:creationId xmlns:a16="http://schemas.microsoft.com/office/drawing/2014/main" id="{ABA2700B-AAFC-414F-BC7A-B955A5449477}"/>
+                <a16:creationId xmlns:a16="http://schemas.microsoft.com/office/drawing/2014/main" id="{18F36C11-CFDC-46D1-9F7E-8E0A2D07F094}"/>
               </a:ext>
             </a:extLst>
           </p:cNvPr>
@@ -4118,69 +4283,132 @@
           <a:p>
             <a:r>
               <a:rPr lang="en-GB" dirty="0"/>
-              <a:t>Sprint review</a:t>
-            </a:r>
-          </a:p>
-        </p:txBody>
-      </p:sp>
-      <p:sp>
-        <p:nvSpPr>
-          <p:cNvPr id="3" name="Content Placeholder 2">
+              <a:t>Jira – Kanban Board Week 1</a:t>
+            </a:r>
+          </a:p>
+        </p:txBody>
+      </p:sp>
+      <p:pic>
+        <p:nvPicPr>
+          <p:cNvPr id="5" name="Picture 4">
             <a:extLst>
               <a:ext uri="{FF2B5EF4-FFF2-40B4-BE49-F238E27FC236}">
-                <a16:creationId xmlns:a16="http://schemas.microsoft.com/office/drawing/2014/main" id="{52F7BDE2-E56D-41F7-9238-17991B48E6E6}"/>
+                <a16:creationId xmlns:a16="http://schemas.microsoft.com/office/drawing/2014/main" id="{39D09660-6ED3-4D9D-89E5-D9E843A59E4A}"/>
               </a:ext>
             </a:extLst>
           </p:cNvPr>
-          <p:cNvSpPr>
-            <a:spLocks noGrp="1"/>
-          </p:cNvSpPr>
-          <p:nvPr>
-            <p:ph idx="1"/>
-          </p:nvPr>
-        </p:nvSpPr>
-        <p:spPr/>
-        <p:txBody>
-          <a:bodyPr/>
+          <p:cNvPicPr>
+            <a:picLocks noChangeAspect="1"/>
+          </p:cNvPicPr>
+          <p:nvPr/>
+        </p:nvPicPr>
+        <p:blipFill rotWithShape="1">
+          <a:blip r:embed="rId2">
+            <a:extLst>
+              <a:ext uri="{28A0092B-C50C-407E-A947-70E740481C1C}">
+                <a14:useLocalDpi xmlns:a14="http://schemas.microsoft.com/office/drawing/2010/main" val="0"/>
+              </a:ext>
+            </a:extLst>
+          </a:blip>
+          <a:srcRect l="2348" t="1" r="8138" b="2684"/>
+          <a:stretch/>
+        </p:blipFill>
+        <p:spPr>
+          <a:xfrm>
+            <a:off x="620784" y="1954428"/>
+            <a:ext cx="4798503" cy="3785528"/>
+          </a:xfrm>
+          <a:prstGeom prst="rect">
+            <a:avLst/>
+          </a:prstGeom>
+          <a:ln>
+            <a:solidFill>
+              <a:schemeClr val="tx1"/>
+            </a:solidFill>
+          </a:ln>
+        </p:spPr>
+      </p:pic>
+      <p:pic>
+        <p:nvPicPr>
+          <p:cNvPr id="1026" name="Picture 2">
+            <a:extLst>
+              <a:ext uri="{FF2B5EF4-FFF2-40B4-BE49-F238E27FC236}">
+                <a16:creationId xmlns:a16="http://schemas.microsoft.com/office/drawing/2014/main" id="{AFEBB11B-0088-40BF-AEB9-64559D869F00}"/>
+              </a:ext>
+            </a:extLst>
+          </p:cNvPr>
+          <p:cNvPicPr>
+            <a:picLocks noChangeAspect="1" noChangeArrowheads="1"/>
+          </p:cNvPicPr>
+          <p:nvPr/>
+        </p:nvPicPr>
+        <p:blipFill rotWithShape="1">
+          <a:blip r:embed="rId3">
+            <a:extLst>
+              <a:ext uri="{28A0092B-C50C-407E-A947-70E740481C1C}">
+                <a14:useLocalDpi xmlns:a14="http://schemas.microsoft.com/office/drawing/2010/main" val="0"/>
+              </a:ext>
+            </a:extLst>
+          </a:blip>
+          <a:srcRect l="961" t="1329" r="806" b="2109"/>
+          <a:stretch/>
+        </p:blipFill>
+        <p:spPr bwMode="auto">
+          <a:xfrm>
+            <a:off x="5545123" y="1954428"/>
+            <a:ext cx="5914239" cy="3322040"/>
+          </a:xfrm>
+          <a:prstGeom prst="rect">
+            <a:avLst/>
+          </a:prstGeom>
+          <a:noFill/>
+          <a:ln>
+            <a:solidFill>
+              <a:schemeClr val="tx1"/>
+            </a:solidFill>
+          </a:ln>
+          <a:extLst>
+            <a:ext uri="{909E8E84-426E-40DD-AFC4-6F175D3DCCD1}">
+              <a14:hiddenFill xmlns:a14="http://schemas.microsoft.com/office/drawing/2010/main">
+                <a:solidFill>
+                  <a:srgbClr val="FFFFFF"/>
+                </a:solidFill>
+              </a14:hiddenFill>
+            </a:ext>
+          </a:extLst>
+        </p:spPr>
+      </p:pic>
+      <p:sp>
+        <p:nvSpPr>
+          <p:cNvPr id="6" name="TextBox 5">
+            <a:extLst>
+              <a:ext uri="{FF2B5EF4-FFF2-40B4-BE49-F238E27FC236}">
+                <a16:creationId xmlns:a16="http://schemas.microsoft.com/office/drawing/2014/main" id="{1C1F0AA2-1FD7-4B5F-8377-22E186531F00}"/>
+              </a:ext>
+            </a:extLst>
+          </p:cNvPr>
+          <p:cNvSpPr txBox="1"/>
+          <p:nvPr/>
+        </p:nvSpPr>
+        <p:spPr>
+          <a:xfrm>
+            <a:off x="6905170" y="5308870"/>
+            <a:ext cx="3194144" cy="369332"/>
+          </a:xfrm>
+          <a:prstGeom prst="rect">
+            <a:avLst/>
+          </a:prstGeom>
+          <a:noFill/>
+        </p:spPr>
+        <p:txBody>
+          <a:bodyPr wrap="none" rtlCol="0">
+            <a:spAutoFit/>
+          </a:bodyPr>
           <a:lstStyle/>
           <a:p>
             <a:r>
               <a:rPr lang="en-GB" dirty="0"/>
-              <a:t>I managed to complete the main functionality required according the deliverables:</a:t>
-            </a:r>
-          </a:p>
-          <a:p>
-            <a:pPr lvl="1"/>
-            <a:r>
-              <a:rPr lang="en-GB" dirty="0"/>
-              <a:t>CRUD functionality on the website</a:t>
-            </a:r>
-          </a:p>
-          <a:p>
-            <a:pPr lvl="1"/>
-            <a:r>
-              <a:rPr lang="en-GB" dirty="0"/>
-              <a:t>Testing 80%&gt;</a:t>
-            </a:r>
-          </a:p>
-          <a:p>
-            <a:pPr lvl="1"/>
-            <a:endParaRPr lang="en-GB" dirty="0"/>
-          </a:p>
-          <a:p>
-            <a:r>
-              <a:rPr lang="en-GB" dirty="0"/>
-              <a:t>What got left behind:</a:t>
-            </a:r>
-          </a:p>
-          <a:p>
-            <a:pPr>
-              <a:buFont typeface="Arial" panose="020B0604020202020204" pitchFamily="34" charset="0"/>
-              <a:buChar char="•"/>
-            </a:pPr>
-            <a:r>
-              <a:rPr lang="en-GB" dirty="0"/>
-              <a:t> Selenium testing</a:t>
+              <a:t>Example of one the user stories.</a:t>
             </a:r>
           </a:p>
         </p:txBody>
@@ -4188,7 +4416,7 @@
     </p:spTree>
     <p:extLst>
       <p:ext uri="{BB962C8B-B14F-4D97-AF65-F5344CB8AC3E}">
-        <p14:creationId xmlns:p14="http://schemas.microsoft.com/office/powerpoint/2010/main" val="1148945254"/>
+        <p14:creationId xmlns:p14="http://schemas.microsoft.com/office/powerpoint/2010/main" val="2951430882"/>
       </p:ext>
     </p:extLst>
   </p:cSld>
@@ -4220,7 +4448,7 @@
           <p:cNvPr id="2" name="Title 1">
             <a:extLst>
               <a:ext uri="{FF2B5EF4-FFF2-40B4-BE49-F238E27FC236}">
-                <a16:creationId xmlns:a16="http://schemas.microsoft.com/office/drawing/2014/main" id="{5B233E72-9E55-4534-BD6C-C7EB3C8F575F}"/>
+                <a16:creationId xmlns:a16="http://schemas.microsoft.com/office/drawing/2014/main" id="{18F36C11-CFDC-46D1-9F7E-8E0A2D07F094}"/>
               </a:ext>
             </a:extLst>
           </p:cNvPr>
@@ -4238,104 +4466,178 @@
           <a:p>
             <a:r>
               <a:rPr lang="en-GB" dirty="0"/>
-              <a:t>Sprint retrospective</a:t>
-            </a:r>
-          </a:p>
-        </p:txBody>
-      </p:sp>
-      <p:sp>
-        <p:nvSpPr>
-          <p:cNvPr id="3" name="Content Placeholder 2">
+              <a:t>Jira – Kanban Board Week 2</a:t>
+            </a:r>
+          </a:p>
+        </p:txBody>
+      </p:sp>
+      <p:sp>
+        <p:nvSpPr>
+          <p:cNvPr id="7" name="TextBox 6">
             <a:extLst>
               <a:ext uri="{FF2B5EF4-FFF2-40B4-BE49-F238E27FC236}">
-                <a16:creationId xmlns:a16="http://schemas.microsoft.com/office/drawing/2014/main" id="{F10653DE-457B-45A4-AF1A-2AB0F5E5F260}"/>
+                <a16:creationId xmlns:a16="http://schemas.microsoft.com/office/drawing/2014/main" id="{5F41BB58-D9C0-47E2-BDCA-14A6C7BAE17D}"/>
               </a:ext>
             </a:extLst>
           </p:cNvPr>
-          <p:cNvSpPr>
-            <a:spLocks noGrp="1"/>
-          </p:cNvSpPr>
-          <p:nvPr>
-            <p:ph idx="1"/>
-          </p:nvPr>
-        </p:nvSpPr>
-        <p:spPr/>
-        <p:txBody>
-          <a:bodyPr/>
-          <a:lstStyle/>
-          <a:p>
-            <a:pPr>
-              <a:buFont typeface="Arial" panose="020B0604020202020204" pitchFamily="34" charset="0"/>
-              <a:buChar char="•"/>
-            </a:pPr>
+          <p:cNvSpPr txBox="1"/>
+          <p:nvPr/>
+        </p:nvSpPr>
+        <p:spPr>
+          <a:xfrm>
+            <a:off x="6912528" y="2483141"/>
+            <a:ext cx="5052537" cy="369332"/>
+          </a:xfrm>
+          <a:prstGeom prst="rect">
+            <a:avLst/>
+          </a:prstGeom>
+          <a:noFill/>
+        </p:spPr>
+        <p:txBody>
+          <a:bodyPr wrap="none" rtlCol="0">
+            <a:spAutoFit/>
+          </a:bodyPr>
+          <a:lstStyle/>
+          <a:p>
             <a:r>
               <a:rPr lang="en-GB" dirty="0"/>
-              <a:t>What went well?</a:t>
-            </a:r>
-          </a:p>
-          <a:p>
-            <a:pPr lvl="1">
-              <a:buFont typeface="Arial" panose="020B0604020202020204" pitchFamily="34" charset="0"/>
-              <a:buChar char="•"/>
-            </a:pPr>
+              <a:t>All CRUD functions for Team and Players completed.</a:t>
+            </a:r>
+          </a:p>
+        </p:txBody>
+      </p:sp>
+      <p:sp>
+        <p:nvSpPr>
+          <p:cNvPr id="8" name="TextBox 7">
+            <a:extLst>
+              <a:ext uri="{FF2B5EF4-FFF2-40B4-BE49-F238E27FC236}">
+                <a16:creationId xmlns:a16="http://schemas.microsoft.com/office/drawing/2014/main" id="{2390C14A-FEC5-4B22-9C4A-EF675B5F5A16}"/>
+              </a:ext>
+            </a:extLst>
+          </p:cNvPr>
+          <p:cNvSpPr txBox="1"/>
+          <p:nvPr/>
+        </p:nvSpPr>
+        <p:spPr>
+          <a:xfrm>
+            <a:off x="6912528" y="3820862"/>
+            <a:ext cx="4862485" cy="369332"/>
+          </a:xfrm>
+          <a:prstGeom prst="rect">
+            <a:avLst/>
+          </a:prstGeom>
+          <a:noFill/>
+        </p:spPr>
+        <p:txBody>
+          <a:bodyPr wrap="none" rtlCol="0">
+            <a:spAutoFit/>
+          </a:bodyPr>
+          <a:lstStyle/>
+          <a:p>
             <a:r>
               <a:rPr lang="en-GB" dirty="0"/>
-              <a:t>I was able to meet all the user requirements</a:t>
-            </a:r>
-          </a:p>
-          <a:p>
-            <a:pPr lvl="1">
-              <a:buFont typeface="Arial" panose="020B0604020202020204" pitchFamily="34" charset="0"/>
-              <a:buChar char="•"/>
-            </a:pPr>
-            <a:r>
-              <a:rPr lang="en-GB" dirty="0"/>
-              <a:t>Version Control</a:t>
-            </a:r>
-          </a:p>
-          <a:p>
-            <a:pPr>
-              <a:buFont typeface="Arial" panose="020B0604020202020204" pitchFamily="34" charset="0"/>
-              <a:buChar char="•"/>
-            </a:pPr>
-            <a:r>
-              <a:rPr lang="en-GB" dirty="0"/>
-              <a:t>Improvements?</a:t>
-            </a:r>
-          </a:p>
-          <a:p>
-            <a:pPr lvl="1">
-              <a:buFont typeface="Arial" panose="020B0604020202020204" pitchFamily="34" charset="0"/>
-              <a:buChar char="•"/>
-            </a:pPr>
-            <a:r>
-              <a:rPr lang="en-GB" dirty="0"/>
-              <a:t>Refactor code to make it more efficient</a:t>
-            </a:r>
-          </a:p>
-          <a:p>
-            <a:pPr lvl="1">
-              <a:buFont typeface="Arial" panose="020B0604020202020204" pitchFamily="34" charset="0"/>
-              <a:buChar char="•"/>
-            </a:pPr>
-            <a:r>
-              <a:rPr lang="en-GB" dirty="0"/>
-              <a:t>Time management</a:t>
-            </a:r>
-          </a:p>
-          <a:p>
-            <a:pPr lvl="1">
-              <a:buFont typeface="Arial" panose="020B0604020202020204" pitchFamily="34" charset="0"/>
-              <a:buChar char="•"/>
-            </a:pPr>
-            <a:endParaRPr lang="en-GB" dirty="0"/>
+              <a:t>Unit, Integration and Selenium testing completed.</a:t>
+            </a:r>
+          </a:p>
+        </p:txBody>
+      </p:sp>
+      <p:pic>
+        <p:nvPicPr>
+          <p:cNvPr id="10" name="Picture 9">
+            <a:extLst>
+              <a:ext uri="{FF2B5EF4-FFF2-40B4-BE49-F238E27FC236}">
+                <a16:creationId xmlns:a16="http://schemas.microsoft.com/office/drawing/2014/main" id="{6E048EC5-8671-495A-AD66-CB1016B9E26A}"/>
+              </a:ext>
+            </a:extLst>
+          </p:cNvPr>
+          <p:cNvPicPr>
+            <a:picLocks noChangeAspect="1"/>
+          </p:cNvPicPr>
+          <p:nvPr/>
+        </p:nvPicPr>
+        <p:blipFill>
+          <a:blip r:embed="rId2">
+            <a:extLst>
+              <a:ext uri="{28A0092B-C50C-407E-A947-70E740481C1C}">
+                <a14:useLocalDpi xmlns:a14="http://schemas.microsoft.com/office/drawing/2010/main" val="0"/>
+              </a:ext>
+            </a:extLst>
+          </a:blip>
+          <a:stretch>
+            <a:fillRect/>
+          </a:stretch>
+        </p:blipFill>
+        <p:spPr>
+          <a:xfrm>
+            <a:off x="1403759" y="1831344"/>
+            <a:ext cx="4862485" cy="4475761"/>
+          </a:xfrm>
+          <a:prstGeom prst="rect">
+            <a:avLst/>
+          </a:prstGeom>
+          <a:ln>
+            <a:solidFill>
+              <a:schemeClr val="tx1"/>
+            </a:solidFill>
+          </a:ln>
+        </p:spPr>
+      </p:pic>
+      <p:sp>
+        <p:nvSpPr>
+          <p:cNvPr id="6" name="Rectangle 5">
+            <a:extLst>
+              <a:ext uri="{FF2B5EF4-FFF2-40B4-BE49-F238E27FC236}">
+                <a16:creationId xmlns:a16="http://schemas.microsoft.com/office/drawing/2014/main" id="{C54E54B4-6CEB-4A4D-A963-21063E8D0132}"/>
+              </a:ext>
+            </a:extLst>
+          </p:cNvPr>
+          <p:cNvSpPr/>
+          <p:nvPr/>
+        </p:nvSpPr>
+        <p:spPr>
+          <a:xfrm>
+            <a:off x="4655890" y="2718034"/>
+            <a:ext cx="998290" cy="360726"/>
+          </a:xfrm>
+          <a:prstGeom prst="rect">
+            <a:avLst/>
+          </a:prstGeom>
+          <a:noFill/>
+          <a:ln>
+            <a:solidFill>
+              <a:srgbClr val="C00000"/>
+            </a:solidFill>
+          </a:ln>
+        </p:spPr>
+        <p:style>
+          <a:lnRef idx="2">
+            <a:schemeClr val="accent1">
+              <a:shade val="50000"/>
+            </a:schemeClr>
+          </a:lnRef>
+          <a:fillRef idx="1">
+            <a:schemeClr val="accent1"/>
+          </a:fillRef>
+          <a:effectRef idx="0">
+            <a:schemeClr val="accent1"/>
+          </a:effectRef>
+          <a:fontRef idx="minor">
+            <a:schemeClr val="lt1"/>
+          </a:fontRef>
+        </p:style>
+        <p:txBody>
+          <a:bodyPr rtlCol="0" anchor="ctr"/>
+          <a:lstStyle/>
+          <a:p>
+            <a:pPr algn="ctr"/>
+            <a:endParaRPr lang="en-GB"/>
           </a:p>
         </p:txBody>
       </p:sp>
     </p:spTree>
     <p:extLst>
       <p:ext uri="{BB962C8B-B14F-4D97-AF65-F5344CB8AC3E}">
-        <p14:creationId xmlns:p14="http://schemas.microsoft.com/office/powerpoint/2010/main" val="2345640665"/>
+        <p14:creationId xmlns:p14="http://schemas.microsoft.com/office/powerpoint/2010/main" val="942039346"/>
       </p:ext>
     </p:extLst>
   </p:cSld>
@@ -4367,6 +4669,445 @@
           <p:cNvPr id="2" name="Title 1">
             <a:extLst>
               <a:ext uri="{FF2B5EF4-FFF2-40B4-BE49-F238E27FC236}">
+                <a16:creationId xmlns:a16="http://schemas.microsoft.com/office/drawing/2014/main" id="{6B991645-2708-4D13-97BD-51440186A5E4}"/>
+              </a:ext>
+            </a:extLst>
+          </p:cNvPr>
+          <p:cNvSpPr>
+            <a:spLocks noGrp="1"/>
+          </p:cNvSpPr>
+          <p:nvPr>
+            <p:ph type="title"/>
+          </p:nvPr>
+        </p:nvSpPr>
+        <p:spPr/>
+        <p:txBody>
+          <a:bodyPr/>
+          <a:lstStyle/>
+          <a:p>
+            <a:r>
+              <a:rPr lang="en-GB" dirty="0"/>
+              <a:t>Jira Roadmap</a:t>
+            </a:r>
+          </a:p>
+        </p:txBody>
+      </p:sp>
+      <p:sp>
+        <p:nvSpPr>
+          <p:cNvPr id="6" name="TextBox 5">
+            <a:extLst>
+              <a:ext uri="{FF2B5EF4-FFF2-40B4-BE49-F238E27FC236}">
+                <a16:creationId xmlns:a16="http://schemas.microsoft.com/office/drawing/2014/main" id="{124C46D0-2C7C-49A7-B872-1FC012AADFB9}"/>
+              </a:ext>
+            </a:extLst>
+          </p:cNvPr>
+          <p:cNvSpPr txBox="1"/>
+          <p:nvPr/>
+        </p:nvSpPr>
+        <p:spPr>
+          <a:xfrm>
+            <a:off x="7206143" y="3244334"/>
+            <a:ext cx="2671693" cy="369332"/>
+          </a:xfrm>
+          <a:prstGeom prst="rect">
+            <a:avLst/>
+          </a:prstGeom>
+          <a:noFill/>
+        </p:spPr>
+        <p:txBody>
+          <a:bodyPr wrap="none" rtlCol="0">
+            <a:spAutoFit/>
+          </a:bodyPr>
+          <a:lstStyle/>
+          <a:p>
+            <a:r>
+              <a:rPr lang="en-GB" dirty="0"/>
+              <a:t>All user stories completed.</a:t>
+            </a:r>
+          </a:p>
+        </p:txBody>
+      </p:sp>
+      <p:pic>
+        <p:nvPicPr>
+          <p:cNvPr id="2052" name="Picture 4">
+            <a:extLst>
+              <a:ext uri="{FF2B5EF4-FFF2-40B4-BE49-F238E27FC236}">
+                <a16:creationId xmlns:a16="http://schemas.microsoft.com/office/drawing/2014/main" id="{29B428BE-48C0-4CA1-819C-325C6A35409A}"/>
+              </a:ext>
+            </a:extLst>
+          </p:cNvPr>
+          <p:cNvPicPr>
+            <a:picLocks noChangeAspect="1" noChangeArrowheads="1"/>
+          </p:cNvPicPr>
+          <p:nvPr/>
+        </p:nvPicPr>
+        <p:blipFill>
+          <a:blip r:embed="rId2">
+            <a:extLst>
+              <a:ext uri="{28A0092B-C50C-407E-A947-70E740481C1C}">
+                <a14:useLocalDpi xmlns:a14="http://schemas.microsoft.com/office/drawing/2010/main" val="0"/>
+              </a:ext>
+            </a:extLst>
+          </a:blip>
+          <a:srcRect/>
+          <a:stretch>
+            <a:fillRect/>
+          </a:stretch>
+        </p:blipFill>
+        <p:spPr bwMode="auto">
+          <a:xfrm>
+            <a:off x="1097280" y="1981179"/>
+            <a:ext cx="5071087" cy="4155367"/>
+          </a:xfrm>
+          <a:prstGeom prst="rect">
+            <a:avLst/>
+          </a:prstGeom>
+          <a:noFill/>
+          <a:ln>
+            <a:solidFill>
+              <a:schemeClr val="tx1"/>
+            </a:solidFill>
+          </a:ln>
+          <a:extLst>
+            <a:ext uri="{909E8E84-426E-40DD-AFC4-6F175D3DCCD1}">
+              <a14:hiddenFill xmlns:a14="http://schemas.microsoft.com/office/drawing/2010/main">
+                <a:solidFill>
+                  <a:srgbClr val="FFFFFF"/>
+                </a:solidFill>
+              </a14:hiddenFill>
+            </a:ext>
+          </a:extLst>
+        </p:spPr>
+      </p:pic>
+    </p:spTree>
+    <p:extLst>
+      <p:ext uri="{BB962C8B-B14F-4D97-AF65-F5344CB8AC3E}">
+        <p14:creationId xmlns:p14="http://schemas.microsoft.com/office/powerpoint/2010/main" val="2707968001"/>
+      </p:ext>
+    </p:extLst>
+  </p:cSld>
+  <p:clrMapOvr>
+    <a:masterClrMapping/>
+  </p:clrMapOvr>
+</p:sld>
+</file>
+
+<file path=ppt/slides/slide15.xml><?xml version="1.0" encoding="utf-8"?>
+<p:sld xmlns:a="http://schemas.openxmlformats.org/drawingml/2006/main" xmlns:r="http://schemas.openxmlformats.org/officeDocument/2006/relationships" xmlns:p="http://schemas.openxmlformats.org/presentationml/2006/main">
+  <p:cSld>
+    <p:spTree>
+      <p:nvGrpSpPr>
+        <p:cNvPr id="1" name=""/>
+        <p:cNvGrpSpPr/>
+        <p:nvPr/>
+      </p:nvGrpSpPr>
+      <p:grpSpPr>
+        <a:xfrm>
+          <a:off x="0" y="0"/>
+          <a:ext cx="0" cy="0"/>
+          <a:chOff x="0" y="0"/>
+          <a:chExt cx="0" cy="0"/>
+        </a:xfrm>
+      </p:grpSpPr>
+      <p:sp>
+        <p:nvSpPr>
+          <p:cNvPr id="2" name="Title 1">
+            <a:extLst>
+              <a:ext uri="{FF2B5EF4-FFF2-40B4-BE49-F238E27FC236}">
+                <a16:creationId xmlns:a16="http://schemas.microsoft.com/office/drawing/2014/main" id="{ABA2700B-AAFC-414F-BC7A-B955A5449477}"/>
+              </a:ext>
+            </a:extLst>
+          </p:cNvPr>
+          <p:cNvSpPr>
+            <a:spLocks noGrp="1"/>
+          </p:cNvSpPr>
+          <p:nvPr>
+            <p:ph type="title"/>
+          </p:nvPr>
+        </p:nvSpPr>
+        <p:spPr/>
+        <p:txBody>
+          <a:bodyPr/>
+          <a:lstStyle/>
+          <a:p>
+            <a:r>
+              <a:rPr lang="en-GB" dirty="0"/>
+              <a:t>Sprint review</a:t>
+            </a:r>
+          </a:p>
+        </p:txBody>
+      </p:sp>
+      <p:sp>
+        <p:nvSpPr>
+          <p:cNvPr id="3" name="Content Placeholder 2">
+            <a:extLst>
+              <a:ext uri="{FF2B5EF4-FFF2-40B4-BE49-F238E27FC236}">
+                <a16:creationId xmlns:a16="http://schemas.microsoft.com/office/drawing/2014/main" id="{52F7BDE2-E56D-41F7-9238-17991B48E6E6}"/>
+              </a:ext>
+            </a:extLst>
+          </p:cNvPr>
+          <p:cNvSpPr>
+            <a:spLocks noGrp="1"/>
+          </p:cNvSpPr>
+          <p:nvPr>
+            <p:ph idx="1"/>
+          </p:nvPr>
+        </p:nvSpPr>
+        <p:spPr/>
+        <p:txBody>
+          <a:bodyPr/>
+          <a:lstStyle/>
+          <a:p>
+            <a:r>
+              <a:rPr lang="en-GB" dirty="0"/>
+              <a:t>I managed to complete the main functionality required according the deliverables:</a:t>
+            </a:r>
+          </a:p>
+          <a:p>
+            <a:pPr lvl="1"/>
+            <a:r>
+              <a:rPr lang="en-GB" dirty="0"/>
+              <a:t>CRUD functionality on the website</a:t>
+            </a:r>
+          </a:p>
+          <a:p>
+            <a:pPr lvl="1"/>
+            <a:r>
+              <a:rPr lang="en-GB" dirty="0"/>
+              <a:t>Testing &lt;80%</a:t>
+            </a:r>
+          </a:p>
+          <a:p>
+            <a:pPr lvl="1"/>
+            <a:endParaRPr lang="en-GB" dirty="0"/>
+          </a:p>
+          <a:p>
+            <a:r>
+              <a:rPr lang="en-GB" dirty="0"/>
+              <a:t>What got left behind:</a:t>
+            </a:r>
+          </a:p>
+          <a:p>
+            <a:pPr>
+              <a:buFont typeface="Arial" panose="020B0604020202020204" pitchFamily="34" charset="0"/>
+              <a:buChar char="•"/>
+            </a:pPr>
+            <a:r>
+              <a:rPr lang="en-GB" dirty="0"/>
+              <a:t>All MVP has been met, nothing was left behind.</a:t>
+            </a:r>
+          </a:p>
+          <a:p>
+            <a:pPr>
+              <a:buFont typeface="Arial" panose="020B0604020202020204" pitchFamily="34" charset="0"/>
+              <a:buChar char="•"/>
+            </a:pPr>
+            <a:r>
+              <a:rPr lang="en-GB" dirty="0"/>
+              <a:t>On front-end, About page (extra Web page) is not complete</a:t>
+            </a:r>
+          </a:p>
+          <a:p>
+            <a:pPr>
+              <a:buFont typeface="Arial" panose="020B0604020202020204" pitchFamily="34" charset="0"/>
+              <a:buChar char="•"/>
+            </a:pPr>
+            <a:r>
+              <a:rPr lang="en-GB" dirty="0"/>
+              <a:t>On front-end, Login page (extra Web page) is not fully functional</a:t>
+            </a:r>
+          </a:p>
+          <a:p>
+            <a:pPr>
+              <a:buFont typeface="Arial" panose="020B0604020202020204" pitchFamily="34" charset="0"/>
+              <a:buChar char="•"/>
+            </a:pPr>
+            <a:endParaRPr lang="en-GB" dirty="0"/>
+          </a:p>
+        </p:txBody>
+      </p:sp>
+    </p:spTree>
+    <p:extLst>
+      <p:ext uri="{BB962C8B-B14F-4D97-AF65-F5344CB8AC3E}">
+        <p14:creationId xmlns:p14="http://schemas.microsoft.com/office/powerpoint/2010/main" val="1148945254"/>
+      </p:ext>
+    </p:extLst>
+  </p:cSld>
+  <p:clrMapOvr>
+    <a:masterClrMapping/>
+  </p:clrMapOvr>
+</p:sld>
+</file>
+
+<file path=ppt/slides/slide16.xml><?xml version="1.0" encoding="utf-8"?>
+<p:sld xmlns:a="http://schemas.openxmlformats.org/drawingml/2006/main" xmlns:r="http://schemas.openxmlformats.org/officeDocument/2006/relationships" xmlns:p="http://schemas.openxmlformats.org/presentationml/2006/main">
+  <p:cSld>
+    <p:spTree>
+      <p:nvGrpSpPr>
+        <p:cNvPr id="1" name=""/>
+        <p:cNvGrpSpPr/>
+        <p:nvPr/>
+      </p:nvGrpSpPr>
+      <p:grpSpPr>
+        <a:xfrm>
+          <a:off x="0" y="0"/>
+          <a:ext cx="0" cy="0"/>
+          <a:chOff x="0" y="0"/>
+          <a:chExt cx="0" cy="0"/>
+        </a:xfrm>
+      </p:grpSpPr>
+      <p:sp>
+        <p:nvSpPr>
+          <p:cNvPr id="2" name="Title 1">
+            <a:extLst>
+              <a:ext uri="{FF2B5EF4-FFF2-40B4-BE49-F238E27FC236}">
+                <a16:creationId xmlns:a16="http://schemas.microsoft.com/office/drawing/2014/main" id="{5B233E72-9E55-4534-BD6C-C7EB3C8F575F}"/>
+              </a:ext>
+            </a:extLst>
+          </p:cNvPr>
+          <p:cNvSpPr>
+            <a:spLocks noGrp="1"/>
+          </p:cNvSpPr>
+          <p:nvPr>
+            <p:ph type="title"/>
+          </p:nvPr>
+        </p:nvSpPr>
+        <p:spPr/>
+        <p:txBody>
+          <a:bodyPr/>
+          <a:lstStyle/>
+          <a:p>
+            <a:r>
+              <a:rPr lang="en-GB" dirty="0"/>
+              <a:t>Sprint retrospective</a:t>
+            </a:r>
+          </a:p>
+        </p:txBody>
+      </p:sp>
+      <p:sp>
+        <p:nvSpPr>
+          <p:cNvPr id="3" name="Content Placeholder 2">
+            <a:extLst>
+              <a:ext uri="{FF2B5EF4-FFF2-40B4-BE49-F238E27FC236}">
+                <a16:creationId xmlns:a16="http://schemas.microsoft.com/office/drawing/2014/main" id="{F10653DE-457B-45A4-AF1A-2AB0F5E5F260}"/>
+              </a:ext>
+            </a:extLst>
+          </p:cNvPr>
+          <p:cNvSpPr>
+            <a:spLocks noGrp="1"/>
+          </p:cNvSpPr>
+          <p:nvPr>
+            <p:ph idx="1"/>
+          </p:nvPr>
+        </p:nvSpPr>
+        <p:spPr/>
+        <p:txBody>
+          <a:bodyPr/>
+          <a:lstStyle/>
+          <a:p>
+            <a:pPr>
+              <a:buFont typeface="Arial" panose="020B0604020202020204" pitchFamily="34" charset="0"/>
+              <a:buChar char="•"/>
+            </a:pPr>
+            <a:r>
+              <a:rPr lang="en-GB" dirty="0"/>
+              <a:t>What went well?</a:t>
+            </a:r>
+          </a:p>
+          <a:p>
+            <a:pPr lvl="1">
+              <a:buFont typeface="Arial" panose="020B0604020202020204" pitchFamily="34" charset="0"/>
+              <a:buChar char="•"/>
+            </a:pPr>
+            <a:r>
+              <a:rPr lang="en-GB" dirty="0"/>
+              <a:t>I was able to meet all the user requirements</a:t>
+            </a:r>
+          </a:p>
+          <a:p>
+            <a:pPr lvl="1">
+              <a:buFont typeface="Arial" panose="020B0604020202020204" pitchFamily="34" charset="0"/>
+              <a:buChar char="•"/>
+            </a:pPr>
+            <a:r>
+              <a:rPr lang="en-GB" dirty="0"/>
+              <a:t>Version Control</a:t>
+            </a:r>
+          </a:p>
+          <a:p>
+            <a:pPr>
+              <a:buFont typeface="Arial" panose="020B0604020202020204" pitchFamily="34" charset="0"/>
+              <a:buChar char="•"/>
+            </a:pPr>
+            <a:r>
+              <a:rPr lang="en-GB" dirty="0"/>
+              <a:t>Improvements?</a:t>
+            </a:r>
+          </a:p>
+          <a:p>
+            <a:pPr lvl="1">
+              <a:buFont typeface="Arial" panose="020B0604020202020204" pitchFamily="34" charset="0"/>
+              <a:buChar char="•"/>
+            </a:pPr>
+            <a:r>
+              <a:rPr lang="en-GB" dirty="0"/>
+              <a:t>SonarQube, fix all code smells and to be able to use unit coverage</a:t>
+            </a:r>
+          </a:p>
+          <a:p>
+            <a:pPr lvl="1">
+              <a:buFont typeface="Arial" panose="020B0604020202020204" pitchFamily="34" charset="0"/>
+              <a:buChar char="•"/>
+            </a:pPr>
+            <a:r>
+              <a:rPr lang="en-GB" dirty="0"/>
+              <a:t>Time management</a:t>
+            </a:r>
+          </a:p>
+          <a:p>
+            <a:pPr lvl="1">
+              <a:buFont typeface="Arial" panose="020B0604020202020204" pitchFamily="34" charset="0"/>
+              <a:buChar char="•"/>
+            </a:pPr>
+            <a:endParaRPr lang="en-GB" dirty="0"/>
+          </a:p>
+        </p:txBody>
+      </p:sp>
+    </p:spTree>
+    <p:extLst>
+      <p:ext uri="{BB962C8B-B14F-4D97-AF65-F5344CB8AC3E}">
+        <p14:creationId xmlns:p14="http://schemas.microsoft.com/office/powerpoint/2010/main" val="2345640665"/>
+      </p:ext>
+    </p:extLst>
+  </p:cSld>
+  <p:clrMapOvr>
+    <a:masterClrMapping/>
+  </p:clrMapOvr>
+</p:sld>
+</file>
+
+<file path=ppt/slides/slide17.xml><?xml version="1.0" encoding="utf-8"?>
+<p:sld xmlns:a="http://schemas.openxmlformats.org/drawingml/2006/main" xmlns:r="http://schemas.openxmlformats.org/officeDocument/2006/relationships" xmlns:p="http://schemas.openxmlformats.org/presentationml/2006/main">
+  <p:cSld>
+    <p:spTree>
+      <p:nvGrpSpPr>
+        <p:cNvPr id="1" name=""/>
+        <p:cNvGrpSpPr/>
+        <p:nvPr/>
+      </p:nvGrpSpPr>
+      <p:grpSpPr>
+        <a:xfrm>
+          <a:off x="0" y="0"/>
+          <a:ext cx="0" cy="0"/>
+          <a:chOff x="0" y="0"/>
+          <a:chExt cx="0" cy="0"/>
+        </a:xfrm>
+      </p:grpSpPr>
+      <p:sp>
+        <p:nvSpPr>
+          <p:cNvPr id="2" name="Title 1">
+            <a:extLst>
+              <a:ext uri="{FF2B5EF4-FFF2-40B4-BE49-F238E27FC236}">
                 <a16:creationId xmlns:a16="http://schemas.microsoft.com/office/drawing/2014/main" id="{36297500-8609-4468-999A-5A7FA38B0B59}"/>
               </a:ext>
             </a:extLst>
@@ -4427,7 +5168,7 @@
             <a:pPr lvl="1"/>
             <a:r>
               <a:rPr lang="en-GB" dirty="0"/>
-              <a:t>Testing : Junit, Mockito and Selenium</a:t>
+              <a:t>Testing : Junit, Mockito, SonarQube and Selenium</a:t>
             </a:r>
           </a:p>
           <a:p>
@@ -4496,7 +5237,7 @@
 </p:sld>
 </file>
 
-<file path=ppt/slides/slide15.xml><?xml version="1.0" encoding="utf-8"?>
+<file path=ppt/slides/slide18.xml><?xml version="1.0" encoding="utf-8"?>
 <p:sld xmlns:a="http://schemas.openxmlformats.org/drawingml/2006/main" xmlns:r="http://schemas.openxmlformats.org/officeDocument/2006/relationships" xmlns:p="http://schemas.openxmlformats.org/presentationml/2006/main">
   <p:cSld>
     <p:spTree>
@@ -4819,7 +5560,11 @@
           <a:lstStyle/>
           <a:p>
             <a:r>
-              <a:rPr lang="en-GB" dirty="0"/>
+              <a:rPr lang="en-GB" dirty="0">
+                <a:solidFill>
+                  <a:schemeClr val="tx1"/>
+                </a:solidFill>
+              </a:rPr>
               <a:t> Project objective:</a:t>
             </a:r>
           </a:p>
@@ -4828,10 +5573,9 @@
             <a:r>
               <a:rPr lang="en-GB" sz="1600" dirty="0">
                 <a:solidFill>
-                  <a:srgbClr val="404040"/>
+                  <a:schemeClr val="tx1"/>
                 </a:solidFill>
                 <a:effectLst/>
-                <a:latin typeface="Trebuchet MS (Body)"/>
                 <a:ea typeface="Calibri" panose="020F0502020204030204" pitchFamily="34" charset="0"/>
                 <a:cs typeface="Segoe UI" panose="020B0502040204020203" pitchFamily="34" charset="0"/>
               </a:rPr>
@@ -4843,9 +5587,8 @@
             <a:r>
               <a:rPr lang="en-GB" sz="1600" dirty="0">
                 <a:solidFill>
-                  <a:srgbClr val="404040"/>
+                  <a:schemeClr val="tx1"/>
                 </a:solidFill>
-                <a:latin typeface="Trebuchet MS (Body)"/>
                 <a:ea typeface="Calibri" panose="020F0502020204030204" pitchFamily="34" charset="0"/>
                 <a:cs typeface="Segoe UI" panose="020B0502040204020203" pitchFamily="34" charset="0"/>
               </a:rPr>
@@ -4854,43 +5597,38 @@
           </a:p>
           <a:p>
             <a:r>
-              <a:rPr lang="en-GB" dirty="0"/>
-              <a:t>Project breakdown:</a:t>
-            </a:r>
-          </a:p>
-          <a:p>
-            <a:pPr lvl="1"/>
-            <a:r>
-              <a:rPr lang="en-GB" dirty="0"/>
-              <a:t>Key </a:t>
-            </a:r>
-            <a:r>
               <a:rPr lang="en-GB" dirty="0">
                 <a:solidFill>
-                  <a:srgbClr val="404040"/>
+                  <a:schemeClr val="tx1"/>
                 </a:solidFill>
               </a:rPr>
-              <a:t>deliverables</a:t>
-            </a:r>
-            <a:r>
-              <a:rPr lang="en-GB" dirty="0"/>
-              <a:t> were split into user stories on my Kanban board. </a:t>
+              <a:t>Project breakdown:</a:t>
             </a:r>
           </a:p>
           <a:p>
             <a:pPr lvl="1"/>
             <a:r>
-              <a:rPr kumimoji="0" lang="en-GB" sz="1800" b="0" i="0" u="none" strike="noStrike" kern="1200" cap="none" spc="0" normalizeH="0" baseline="0" noProof="0" dirty="0">
+              <a:rPr lang="en-GB" sz="1600" dirty="0">
+                <a:solidFill>
+                  <a:schemeClr val="tx1"/>
+                </a:solidFill>
+              </a:rPr>
+              <a:t>Key deliverables were split into user stories on my Kanban board. </a:t>
+            </a:r>
+          </a:p>
+          <a:p>
+            <a:pPr lvl="1"/>
+            <a:r>
+              <a:rPr kumimoji="0" lang="en-GB" sz="1600" b="0" i="0" u="none" strike="noStrike" kern="1200" cap="none" spc="0" normalizeH="0" baseline="0" noProof="0" dirty="0">
                 <a:ln>
                   <a:noFill/>
                 </a:ln>
                 <a:solidFill>
-                  <a:prstClr val="black"/>
+                  <a:schemeClr val="tx1"/>
                 </a:solidFill>
                 <a:effectLst/>
                 <a:uLnTx/>
                 <a:uFillTx/>
-                <a:latin typeface="Calibri" panose="020F0502020204030204"/>
                 <a:ea typeface="+mn-ea"/>
                 <a:cs typeface="Calibri"/>
               </a:rPr>
@@ -4900,17 +5638,16 @@
           <a:p>
             <a:pPr lvl="1"/>
             <a:r>
-              <a:rPr kumimoji="0" lang="en-GB" sz="1800" b="0" i="0" u="none" strike="noStrike" kern="1200" cap="none" spc="0" normalizeH="0" baseline="0" noProof="0" dirty="0">
+              <a:rPr kumimoji="0" lang="en-GB" sz="1600" b="0" i="0" u="none" strike="noStrike" kern="1200" cap="none" spc="0" normalizeH="0" baseline="0" noProof="0" dirty="0">
                 <a:ln>
                   <a:noFill/>
                 </a:ln>
                 <a:solidFill>
-                  <a:prstClr val="black"/>
+                  <a:schemeClr val="tx1"/>
                 </a:solidFill>
                 <a:effectLst/>
                 <a:uLnTx/>
                 <a:uFillTx/>
-                <a:latin typeface="Calibri" panose="020F0502020204030204"/>
                 <a:ea typeface="+mn-ea"/>
                 <a:cs typeface="Calibri"/>
               </a:rPr>
@@ -4920,17 +5657,16 @@
           <a:p>
             <a:pPr lvl="1"/>
             <a:r>
-              <a:rPr kumimoji="0" lang="en-GB" sz="1800" b="0" i="0" u="none" strike="noStrike" kern="1200" cap="none" spc="0" normalizeH="0" baseline="0" noProof="0" dirty="0">
+              <a:rPr kumimoji="0" lang="en-GB" sz="1600" b="0" i="0" u="none" strike="noStrike" kern="1200" cap="none" spc="0" normalizeH="0" baseline="0" noProof="0" dirty="0">
                 <a:ln>
                   <a:noFill/>
                 </a:ln>
                 <a:solidFill>
-                  <a:prstClr val="black"/>
+                  <a:schemeClr val="tx1"/>
                 </a:solidFill>
                 <a:effectLst/>
                 <a:uLnTx/>
                 <a:uFillTx/>
-                <a:latin typeface="Calibri" panose="020F0502020204030204"/>
                 <a:ea typeface="+mn-ea"/>
                 <a:cs typeface="Calibri"/>
               </a:rPr>
@@ -4940,17 +5676,16 @@
           <a:p>
             <a:pPr lvl="1"/>
             <a:r>
-              <a:rPr kumimoji="0" lang="en-GB" sz="1800" b="0" i="0" u="none" strike="noStrike" kern="1200" cap="none" spc="0" normalizeH="0" baseline="0" noProof="0" dirty="0">
+              <a:rPr kumimoji="0" lang="en-GB" sz="1600" b="0" i="0" u="none" strike="noStrike" kern="1200" cap="none" spc="0" normalizeH="0" baseline="0" noProof="0" dirty="0">
                 <a:ln>
                   <a:noFill/>
                 </a:ln>
                 <a:solidFill>
-                  <a:prstClr val="black"/>
+                  <a:schemeClr val="tx1"/>
                 </a:solidFill>
                 <a:effectLst/>
                 <a:uLnTx/>
                 <a:uFillTx/>
-                <a:latin typeface="Calibri" panose="020F0502020204030204"/>
                 <a:ea typeface="+mn-ea"/>
                 <a:cs typeface="Calibri"/>
               </a:rPr>
@@ -4960,17 +5695,16 @@
           <a:p>
             <a:pPr lvl="1"/>
             <a:r>
-              <a:rPr kumimoji="0" lang="en-GB" sz="1800" b="0" i="0" u="none" strike="noStrike" kern="1200" cap="none" spc="0" normalizeH="0" baseline="0" noProof="0" dirty="0">
+              <a:rPr kumimoji="0" lang="en-GB" sz="1600" b="0" i="0" u="none" strike="noStrike" kern="1200" cap="none" spc="0" normalizeH="0" baseline="0" noProof="0" dirty="0">
                 <a:ln>
                   <a:noFill/>
                 </a:ln>
                 <a:solidFill>
-                  <a:prstClr val="black"/>
+                  <a:schemeClr val="tx1"/>
                 </a:solidFill>
                 <a:effectLst/>
                 <a:uLnTx/>
                 <a:uFillTx/>
-                <a:latin typeface="Calibri" panose="020F0502020204030204"/>
                 <a:ea typeface="+mn-ea"/>
                 <a:cs typeface="Calibri"/>
               </a:rPr>
@@ -4980,17 +5714,16 @@
           <a:p>
             <a:pPr lvl="1"/>
             <a:r>
-              <a:rPr kumimoji="0" lang="en-GB" sz="1800" b="0" i="0" u="none" strike="noStrike" kern="1200" cap="none" spc="0" normalizeH="0" baseline="0" noProof="0" dirty="0">
+              <a:rPr kumimoji="0" lang="en-GB" sz="1600" b="0" i="0" u="none" strike="noStrike" kern="1200" cap="none" spc="0" normalizeH="0" baseline="0" noProof="0" dirty="0">
                 <a:ln>
                   <a:noFill/>
                 </a:ln>
                 <a:solidFill>
-                  <a:prstClr val="black"/>
+                  <a:schemeClr val="tx1"/>
                 </a:solidFill>
                 <a:effectLst/>
                 <a:uLnTx/>
                 <a:uFillTx/>
-                <a:latin typeface="Calibri" panose="020F0502020204030204"/>
                 <a:ea typeface="+mn-ea"/>
                 <a:cs typeface="Calibri"/>
               </a:rPr>
@@ -5000,17 +5733,16 @@
           <a:p>
             <a:pPr lvl="1"/>
             <a:r>
-              <a:rPr kumimoji="0" lang="en-GB" sz="1800" b="0" i="0" u="none" strike="noStrike" kern="1200" cap="none" spc="0" normalizeH="0" baseline="0" noProof="0" dirty="0">
+              <a:rPr kumimoji="0" lang="en-GB" sz="1600" b="0" i="0" u="none" strike="noStrike" kern="1200" cap="none" spc="0" normalizeH="0" baseline="0" noProof="0" dirty="0">
                 <a:ln>
                   <a:noFill/>
                 </a:ln>
                 <a:solidFill>
-                  <a:prstClr val="black"/>
+                  <a:schemeClr val="tx1"/>
                 </a:solidFill>
                 <a:effectLst/>
                 <a:uLnTx/>
                 <a:uFillTx/>
-                <a:latin typeface="Calibri" panose="020F0502020204030204"/>
                 <a:ea typeface="+mn-ea"/>
                 <a:cs typeface="Calibri"/>
               </a:rPr>
@@ -5024,19 +5756,22 @@
                 <a:noFill/>
               </a:ln>
               <a:solidFill>
-                <a:prstClr val="black"/>
+                <a:schemeClr val="tx1"/>
               </a:solidFill>
               <a:effectLst/>
               <a:uLnTx/>
               <a:uFillTx/>
-              <a:latin typeface="Calibri" panose="020F0502020204030204"/>
               <a:ea typeface="+mn-ea"/>
               <a:cs typeface="Calibri"/>
             </a:endParaRPr>
           </a:p>
           <a:p>
             <a:pPr lvl="1"/>
-            <a:endParaRPr lang="en-GB" dirty="0"/>
+            <a:endParaRPr lang="en-GB" dirty="0">
+              <a:solidFill>
+                <a:schemeClr val="tx1"/>
+              </a:solidFill>
+            </a:endParaRPr>
           </a:p>
           <a:p>
             <a:pPr marL="228600" marR="0" lvl="0" indent="-228600" algn="l" defTabSz="914400" rtl="0" eaLnBrk="1" fontAlgn="auto" latinLnBrk="0" hangingPunct="1">
@@ -5061,12 +5796,11 @@
                 <a:noFill/>
               </a:ln>
               <a:solidFill>
-                <a:prstClr val="black"/>
+                <a:schemeClr val="tx1"/>
               </a:solidFill>
               <a:effectLst/>
               <a:uLnTx/>
               <a:uFillTx/>
-              <a:latin typeface="Calibri" panose="020F0502020204030204"/>
               <a:ea typeface="+mn-ea"/>
               <a:cs typeface="Calibri"/>
             </a:endParaRPr>
@@ -5094,12 +5828,11 @@
                 <a:noFill/>
               </a:ln>
               <a:solidFill>
-                <a:prstClr val="black"/>
+                <a:schemeClr val="tx1"/>
               </a:solidFill>
               <a:effectLst/>
               <a:uLnTx/>
               <a:uFillTx/>
-              <a:latin typeface="Calibri" panose="020F0502020204030204"/>
               <a:ea typeface="+mn-ea"/>
               <a:cs typeface="Calibri"/>
             </a:endParaRPr>
@@ -5127,12 +5860,11 @@
                 <a:noFill/>
               </a:ln>
               <a:solidFill>
-                <a:prstClr val="black"/>
+                <a:schemeClr val="tx1"/>
               </a:solidFill>
               <a:effectLst/>
               <a:uLnTx/>
               <a:uFillTx/>
-              <a:latin typeface="Calibri" panose="020F0502020204030204"/>
               <a:ea typeface="+mn-ea"/>
               <a:cs typeface="Calibri"/>
             </a:endParaRPr>
@@ -5160,12 +5892,11 @@
                 <a:noFill/>
               </a:ln>
               <a:solidFill>
-                <a:prstClr val="black"/>
+                <a:schemeClr val="tx1"/>
               </a:solidFill>
               <a:effectLst/>
               <a:uLnTx/>
               <a:uFillTx/>
-              <a:latin typeface="Calibri" panose="020F0502020204030204"/>
               <a:ea typeface="+mn-ea"/>
               <a:cs typeface="Calibri"/>
             </a:endParaRPr>
@@ -5175,14 +5906,22 @@
               <a:buFont typeface="Arial" panose="020B0604020202020204" pitchFamily="34" charset="0"/>
               <a:buChar char="•"/>
             </a:pPr>
-            <a:endParaRPr lang="en-GB" dirty="0"/>
+            <a:endParaRPr lang="en-GB" dirty="0">
+              <a:solidFill>
+                <a:schemeClr val="tx1"/>
+              </a:solidFill>
+            </a:endParaRPr>
           </a:p>
           <a:p>
             <a:pPr>
               <a:buFont typeface="Arial" panose="020B0604020202020204" pitchFamily="34" charset="0"/>
               <a:buChar char="•"/>
             </a:pPr>
-            <a:endParaRPr lang="en-GB" dirty="0"/>
+            <a:endParaRPr lang="en-GB" dirty="0">
+              <a:solidFill>
+                <a:schemeClr val="tx1"/>
+              </a:solidFill>
+            </a:endParaRPr>
           </a:p>
         </p:txBody>
       </p:sp>
@@ -5565,7 +6304,7 @@
           <a:p>
             <a:r>
               <a:rPr lang="en-GB" dirty="0"/>
-              <a:t>Testing</a:t>
+              <a:t>Testing unit</a:t>
             </a:r>
           </a:p>
         </p:txBody>
@@ -5783,7 +6522,7 @@
           <p:cNvPr id="2" name="Title 1">
             <a:extLst>
               <a:ext uri="{FF2B5EF4-FFF2-40B4-BE49-F238E27FC236}">
-                <a16:creationId xmlns:a16="http://schemas.microsoft.com/office/drawing/2014/main" id="{1A25DCCB-3E99-4565-B61A-EB7E4DC7676B}"/>
+                <a16:creationId xmlns:a16="http://schemas.microsoft.com/office/drawing/2014/main" id="{9BC31E8E-AA76-423E-9817-A7AFD576DFF3}"/>
               </a:ext>
             </a:extLst>
           </p:cNvPr>
@@ -5801,80 +6540,15 @@
           <a:p>
             <a:r>
               <a:rPr lang="en-GB" dirty="0"/>
-              <a:t>Demonstration</a:t>
-            </a:r>
-          </a:p>
-        </p:txBody>
-      </p:sp>
-      <p:sp>
-        <p:nvSpPr>
-          <p:cNvPr id="3" name="Content Placeholder 2">
-            <a:extLst>
-              <a:ext uri="{FF2B5EF4-FFF2-40B4-BE49-F238E27FC236}">
-                <a16:creationId xmlns:a16="http://schemas.microsoft.com/office/drawing/2014/main" id="{BBADD8C7-A8A9-4917-B0D2-354AAFF64186}"/>
-              </a:ext>
-            </a:extLst>
-          </p:cNvPr>
-          <p:cNvSpPr>
-            <a:spLocks noGrp="1"/>
-          </p:cNvSpPr>
-          <p:nvPr>
-            <p:ph idx="1"/>
-          </p:nvPr>
-        </p:nvSpPr>
-        <p:spPr/>
-        <p:txBody>
-          <a:bodyPr/>
-          <a:lstStyle/>
-          <a:p>
-            <a:pPr>
-              <a:buFont typeface="Arial" panose="020B0604020202020204" pitchFamily="34" charset="0"/>
-              <a:buChar char="•"/>
-            </a:pPr>
-            <a:r>
-              <a:rPr lang="en-GB" dirty="0"/>
-              <a:t>User story 1: User is able to ADD a Team in the system SO THAT the User can create a team of players.</a:t>
-            </a:r>
-          </a:p>
-          <a:p>
-            <a:pPr>
-              <a:buFont typeface="Arial" panose="020B0604020202020204" pitchFamily="34" charset="0"/>
-              <a:buChar char="•"/>
-            </a:pPr>
-            <a:r>
-              <a:rPr lang="en-GB" dirty="0"/>
-              <a:t>User story 2: User is able to ADD an Player in the system SO THAT the user can add players to there Team.</a:t>
-            </a:r>
-          </a:p>
-          <a:p>
-            <a:pPr>
-              <a:buFont typeface="Arial" panose="020B0604020202020204" pitchFamily="34" charset="0"/>
-              <a:buChar char="•"/>
-            </a:pPr>
-            <a:r>
-              <a:rPr lang="en-GB" dirty="0"/>
-              <a:t>User story 3:  User is able to Update a Team in the system SO THAT the User can change the name of the team.</a:t>
-            </a:r>
-          </a:p>
-          <a:p>
-            <a:pPr>
-              <a:buFont typeface="Arial" panose="020B0604020202020204" pitchFamily="34" charset="0"/>
-              <a:buChar char="•"/>
-            </a:pPr>
-            <a:r>
-              <a:rPr lang="en-GB" dirty="0"/>
-              <a:t>User story 4: User can Delete a Player in the system SO THAT they can remove players from there team.</a:t>
-            </a:r>
-          </a:p>
-          <a:p>
-            <a:endParaRPr lang="en-GB" dirty="0"/>
+              <a:t>Testing - SonarQube</a:t>
+            </a:r>
           </a:p>
         </p:txBody>
       </p:sp>
     </p:spTree>
     <p:extLst>
       <p:ext uri="{BB962C8B-B14F-4D97-AF65-F5344CB8AC3E}">
-        <p14:creationId xmlns:p14="http://schemas.microsoft.com/office/powerpoint/2010/main" val="959536378"/>
+        <p14:creationId xmlns:p14="http://schemas.microsoft.com/office/powerpoint/2010/main" val="3831278454"/>
       </p:ext>
     </p:extLst>
   </p:cSld>
@@ -5906,7 +6580,7 @@
           <p:cNvPr id="2" name="Title 1">
             <a:extLst>
               <a:ext uri="{FF2B5EF4-FFF2-40B4-BE49-F238E27FC236}">
-                <a16:creationId xmlns:a16="http://schemas.microsoft.com/office/drawing/2014/main" id="{469413B5-AEFF-415D-AD90-0093D44B0AEE}"/>
+                <a16:creationId xmlns:a16="http://schemas.microsoft.com/office/drawing/2014/main" id="{4F47DF7E-CB37-47E5-B683-EE5804BCFA17}"/>
               </a:ext>
             </a:extLst>
           </p:cNvPr>
@@ -5924,7 +6598,7 @@
           <a:p>
             <a:r>
               <a:rPr lang="en-GB" dirty="0"/>
-              <a:t>ERD Before and After</a:t>
+              <a:t>Testing - Selenium</a:t>
             </a:r>
           </a:p>
         </p:txBody>
@@ -5934,7 +6608,7 @@
           <p:cNvPr id="3" name="Content Placeholder 2">
             <a:extLst>
               <a:ext uri="{FF2B5EF4-FFF2-40B4-BE49-F238E27FC236}">
-                <a16:creationId xmlns:a16="http://schemas.microsoft.com/office/drawing/2014/main" id="{F9387E1F-F151-4E6C-9B18-5AE7358687B7}"/>
+                <a16:creationId xmlns:a16="http://schemas.microsoft.com/office/drawing/2014/main" id="{EC3DACDD-A379-4B72-99D9-675F9342AF7E}"/>
               </a:ext>
             </a:extLst>
           </p:cNvPr>
@@ -5957,7 +6631,7 @@
     </p:spTree>
     <p:extLst>
       <p:ext uri="{BB962C8B-B14F-4D97-AF65-F5344CB8AC3E}">
-        <p14:creationId xmlns:p14="http://schemas.microsoft.com/office/powerpoint/2010/main" val="1079888049"/>
+        <p14:creationId xmlns:p14="http://schemas.microsoft.com/office/powerpoint/2010/main" val="2010526384"/>
       </p:ext>
     </p:extLst>
   </p:cSld>
